--- a/프로젝트 개요.pptx
+++ b/프로젝트 개요.pptx
@@ -5,7 +5,10 @@
     <p:sldMasterId id="2147483695" r:id="rId1"/>
   </p:sldMasterIdLst>
   <p:sldIdLst>
-    <p:sldId id="257" r:id="rId2"/>
+    <p:sldId id="259" r:id="rId2"/>
+    <p:sldId id="260" r:id="rId3"/>
+    <p:sldId id="258" r:id="rId4"/>
+    <p:sldId id="261" r:id="rId5"/>
   </p:sldIdLst>
   <p:sldSz cx="12192000" cy="6858000"/>
   <p:notesSz cx="6858000" cy="9144000"/>
@@ -104,6 +107,11 @@
       </a:defRPr>
     </a:lvl9pPr>
   </p:defaultTextStyle>
+  <p:extLst>
+    <p:ext uri="{EFAFB233-063F-42B5-8137-9DF3F51BA10A}">
+      <p15:sldGuideLst xmlns:p15="http://schemas.microsoft.com/office/powerpoint/2012/main"/>
+    </p:ext>
+  </p:extLst>
 </p:presentation>
 </file>
 
@@ -333,7 +341,7 @@
           <a:p>
             <a:fld id="{EE18C475-0CEF-41FD-A492-C6CD1A82D851}" type="datetimeFigureOut">
               <a:rPr lang="ko-KR" altLang="en-US" smtClean="0"/>
-              <a:t>2019-12-02</a:t>
+              <a:t>2019-12-09</a:t>
             </a:fld>
             <a:endParaRPr lang="ko-KR" altLang="en-US"/>
           </a:p>
@@ -541,7 +549,7 @@
           <a:p>
             <a:fld id="{EE18C475-0CEF-41FD-A492-C6CD1A82D851}" type="datetimeFigureOut">
               <a:rPr lang="ko-KR" altLang="en-US" smtClean="0"/>
-              <a:t>2019-12-02</a:t>
+              <a:t>2019-12-09</a:t>
             </a:fld>
             <a:endParaRPr lang="ko-KR" altLang="en-US"/>
           </a:p>
@@ -797,7 +805,7 @@
           <a:p>
             <a:fld id="{EE18C475-0CEF-41FD-A492-C6CD1A82D851}" type="datetimeFigureOut">
               <a:rPr lang="ko-KR" altLang="en-US" smtClean="0"/>
-              <a:t>2019-12-02</a:t>
+              <a:t>2019-12-09</a:t>
             </a:fld>
             <a:endParaRPr lang="ko-KR" altLang="en-US"/>
           </a:p>
@@ -971,7 +979,7 @@
           <a:p>
             <a:fld id="{EE18C475-0CEF-41FD-A492-C6CD1A82D851}" type="datetimeFigureOut">
               <a:rPr lang="ko-KR" altLang="en-US" smtClean="0"/>
-              <a:t>2019-12-02</a:t>
+              <a:t>2019-12-09</a:t>
             </a:fld>
             <a:endParaRPr lang="ko-KR" altLang="en-US"/>
           </a:p>
@@ -1314,7 +1322,7 @@
           <a:p>
             <a:fld id="{EE18C475-0CEF-41FD-A492-C6CD1A82D851}" type="datetimeFigureOut">
               <a:rPr lang="ko-KR" altLang="en-US" smtClean="0"/>
-              <a:t>2019-12-02</a:t>
+              <a:t>2019-12-09</a:t>
             </a:fld>
             <a:endParaRPr lang="ko-KR" altLang="en-US"/>
           </a:p>
@@ -1589,7 +1597,7 @@
           <a:p>
             <a:fld id="{EE18C475-0CEF-41FD-A492-C6CD1A82D851}" type="datetimeFigureOut">
               <a:rPr lang="ko-KR" altLang="en-US" smtClean="0"/>
-              <a:t>2019-12-02</a:t>
+              <a:t>2019-12-09</a:t>
             </a:fld>
             <a:endParaRPr lang="ko-KR" altLang="en-US"/>
           </a:p>
@@ -1968,7 +1976,7 @@
           <a:p>
             <a:fld id="{EE18C475-0CEF-41FD-A492-C6CD1A82D851}" type="datetimeFigureOut">
               <a:rPr lang="ko-KR" altLang="en-US" smtClean="0"/>
-              <a:t>2019-12-02</a:t>
+              <a:t>2019-12-09</a:t>
             </a:fld>
             <a:endParaRPr lang="ko-KR" altLang="en-US"/>
           </a:p>
@@ -2086,7 +2094,7 @@
           <a:p>
             <a:fld id="{EE18C475-0CEF-41FD-A492-C6CD1A82D851}" type="datetimeFigureOut">
               <a:rPr lang="ko-KR" altLang="en-US" smtClean="0"/>
-              <a:t>2019-12-02</a:t>
+              <a:t>2019-12-09</a:t>
             </a:fld>
             <a:endParaRPr lang="ko-KR" altLang="en-US"/>
           </a:p>
@@ -2257,7 +2265,7 @@
           <a:p>
             <a:fld id="{EE18C475-0CEF-41FD-A492-C6CD1A82D851}" type="datetimeFigureOut">
               <a:rPr lang="ko-KR" altLang="en-US" smtClean="0"/>
-              <a:t>2019-12-02</a:t>
+              <a:t>2019-12-09</a:t>
             </a:fld>
             <a:endParaRPr lang="ko-KR" altLang="en-US"/>
           </a:p>
@@ -2611,7 +2619,7 @@
           <a:p>
             <a:fld id="{EE18C475-0CEF-41FD-A492-C6CD1A82D851}" type="datetimeFigureOut">
               <a:rPr lang="ko-KR" altLang="en-US" smtClean="0"/>
-              <a:t>2019-12-02</a:t>
+              <a:t>2019-12-09</a:t>
             </a:fld>
             <a:endParaRPr lang="ko-KR" altLang="en-US"/>
           </a:p>
@@ -2993,7 +3001,7 @@
           <a:p>
             <a:fld id="{EE18C475-0CEF-41FD-A492-C6CD1A82D851}" type="datetimeFigureOut">
               <a:rPr lang="ko-KR" altLang="en-US" smtClean="0"/>
-              <a:t>2019-12-02</a:t>
+              <a:t>2019-12-09</a:t>
             </a:fld>
             <a:endParaRPr lang="ko-KR" altLang="en-US"/>
           </a:p>
@@ -3280,7 +3288,7 @@
           <a:p>
             <a:fld id="{EE18C475-0CEF-41FD-A492-C6CD1A82D851}" type="datetimeFigureOut">
               <a:rPr lang="ko-KR" altLang="en-US" smtClean="0"/>
-              <a:t>2019-12-02</a:t>
+              <a:t>2019-12-09</a:t>
             </a:fld>
             <a:endParaRPr lang="ko-KR" altLang="en-US"/>
           </a:p>
@@ -3804,6 +3812,247 @@
           <a:chExt cx="0" cy="0"/>
         </a:xfrm>
       </p:grpSpPr>
+      <p:sp>
+        <p:nvSpPr>
+          <p:cNvPr id="2" name="제목 1"/>
+          <p:cNvSpPr>
+            <a:spLocks noGrp="1"/>
+          </p:cNvSpPr>
+          <p:nvPr>
+            <p:ph type="ctrTitle"/>
+          </p:nvPr>
+        </p:nvSpPr>
+        <p:spPr/>
+        <p:txBody>
+          <a:bodyPr/>
+          <a:lstStyle/>
+          <a:p>
+            <a:r>
+              <a:rPr lang="en-US" altLang="ko-KR" dirty="0" smtClean="0"/>
+              <a:t>Face Recognition </a:t>
+            </a:r>
+            <a:endParaRPr lang="ko-KR" altLang="en-US" dirty="0"/>
+          </a:p>
+        </p:txBody>
+      </p:sp>
+      <p:sp>
+        <p:nvSpPr>
+          <p:cNvPr id="3" name="부제목 2"/>
+          <p:cNvSpPr>
+            <a:spLocks noGrp="1"/>
+          </p:cNvSpPr>
+          <p:nvPr>
+            <p:ph type="subTitle" idx="1"/>
+          </p:nvPr>
+        </p:nvSpPr>
+        <p:spPr/>
+        <p:txBody>
+          <a:bodyPr/>
+          <a:lstStyle/>
+          <a:p>
+            <a:pPr algn="r"/>
+            <a:r>
+              <a:rPr lang="en-US" altLang="ko-KR" dirty="0" smtClean="0"/>
+              <a:t>20161670 </a:t>
+            </a:r>
+            <a:r>
+              <a:rPr lang="ko-KR" altLang="en-US" dirty="0" err="1" smtClean="0"/>
+              <a:t>홍민향</a:t>
+            </a:r>
+            <a:endParaRPr lang="en-US" altLang="ko-KR" dirty="0" smtClean="0"/>
+          </a:p>
+          <a:p>
+            <a:pPr algn="r"/>
+            <a:r>
+              <a:rPr lang="en-US" altLang="ko-KR" dirty="0" smtClean="0"/>
+              <a:t>20152007 </a:t>
+            </a:r>
+            <a:r>
+              <a:rPr lang="ko-KR" altLang="en-US" dirty="0" err="1" smtClean="0"/>
+              <a:t>양영준</a:t>
+            </a:r>
+            <a:endParaRPr lang="ko-KR" altLang="en-US" dirty="0"/>
+          </a:p>
+        </p:txBody>
+      </p:sp>
+    </p:spTree>
+    <p:extLst>
+      <p:ext uri="{BB962C8B-B14F-4D97-AF65-F5344CB8AC3E}">
+        <p14:creationId xmlns:p14="http://schemas.microsoft.com/office/powerpoint/2010/main" val="1736589973"/>
+      </p:ext>
+    </p:extLst>
+  </p:cSld>
+  <p:clrMapOvr>
+    <a:masterClrMapping/>
+  </p:clrMapOvr>
+</p:sld>
+</file>
+
+<file path=ppt/slides/slide2.xml><?xml version="1.0" encoding="utf-8"?>
+<p:sld xmlns:a="http://schemas.openxmlformats.org/drawingml/2006/main" xmlns:r="http://schemas.openxmlformats.org/officeDocument/2006/relationships" xmlns:p="http://schemas.openxmlformats.org/presentationml/2006/main">
+  <p:cSld>
+    <p:spTree>
+      <p:nvGrpSpPr>
+        <p:cNvPr id="1" name=""/>
+        <p:cNvGrpSpPr/>
+        <p:nvPr/>
+      </p:nvGrpSpPr>
+      <p:grpSpPr>
+        <a:xfrm>
+          <a:off x="0" y="0"/>
+          <a:ext cx="0" cy="0"/>
+          <a:chOff x="0" y="0"/>
+          <a:chExt cx="0" cy="0"/>
+        </a:xfrm>
+      </p:grpSpPr>
+      <p:sp>
+        <p:nvSpPr>
+          <p:cNvPr id="2" name="제목 1"/>
+          <p:cNvSpPr>
+            <a:spLocks noGrp="1"/>
+          </p:cNvSpPr>
+          <p:nvPr>
+            <p:ph type="title"/>
+          </p:nvPr>
+        </p:nvSpPr>
+        <p:spPr/>
+        <p:txBody>
+          <a:bodyPr/>
+          <a:lstStyle/>
+          <a:p>
+            <a:r>
+              <a:rPr lang="ko-KR" altLang="en-US" dirty="0" smtClean="0"/>
+              <a:t>프로젝트 개요</a:t>
+            </a:r>
+            <a:endParaRPr lang="ko-KR" altLang="en-US" dirty="0"/>
+          </a:p>
+        </p:txBody>
+      </p:sp>
+      <p:sp>
+        <p:nvSpPr>
+          <p:cNvPr id="3" name="내용 개체 틀 2"/>
+          <p:cNvSpPr>
+            <a:spLocks noGrp="1"/>
+          </p:cNvSpPr>
+          <p:nvPr>
+            <p:ph idx="1"/>
+          </p:nvPr>
+        </p:nvSpPr>
+        <p:spPr>
+          <a:xfrm>
+            <a:off x="6207760" y="1937174"/>
+            <a:ext cx="4947920" cy="4023360"/>
+          </a:xfrm>
+        </p:spPr>
+        <p:txBody>
+          <a:bodyPr>
+            <a:normAutofit fontScale="92500" lnSpcReduction="10000"/>
+          </a:bodyPr>
+          <a:lstStyle/>
+          <a:p>
+            <a:r>
+              <a:rPr lang="en-US" altLang="ko-KR" sz="2400" b="1" dirty="0"/>
+              <a:t>Python </a:t>
+            </a:r>
+            <a:r>
+              <a:rPr lang="en-US" altLang="ko-KR" sz="2400" b="1" dirty="0" err="1"/>
+              <a:t>OpenCV</a:t>
+            </a:r>
+            <a:r>
+              <a:rPr lang="ko-KR" altLang="en-US" sz="2400" b="1" dirty="0"/>
+              <a:t>를 이용한 얼굴 인식 웹사이트</a:t>
+            </a:r>
+            <a:endParaRPr lang="en-US" altLang="ko-KR" sz="2400" b="1" dirty="0"/>
+          </a:p>
+          <a:p>
+            <a:endParaRPr lang="en-US" altLang="ko-KR" dirty="0"/>
+          </a:p>
+          <a:p>
+            <a:r>
+              <a:rPr lang="en-US" altLang="ko-KR" dirty="0"/>
+              <a:t> - face-recognition </a:t>
+            </a:r>
+            <a:r>
+              <a:rPr lang="ko-KR" altLang="en-US" dirty="0"/>
+              <a:t>패키지를 사용하여 얼굴 인식 시스템 구축</a:t>
+            </a:r>
+            <a:endParaRPr lang="en-US" altLang="ko-KR" dirty="0"/>
+          </a:p>
+          <a:p>
+            <a:r>
+              <a:rPr lang="en-US" altLang="ko-KR" dirty="0"/>
+              <a:t> </a:t>
+            </a:r>
+          </a:p>
+          <a:p>
+            <a:r>
+              <a:rPr lang="en-US" altLang="ko-KR" dirty="0"/>
+              <a:t> - </a:t>
+            </a:r>
+            <a:r>
+              <a:rPr lang="en-US" altLang="ko-KR" dirty="0" err="1"/>
+              <a:t>grabCut</a:t>
+            </a:r>
+            <a:r>
+              <a:rPr lang="ko-KR" altLang="en-US" dirty="0"/>
+              <a:t>을 활용하여 전경과 객체</a:t>
+            </a:r>
+            <a:r>
+              <a:rPr lang="en-US" altLang="ko-KR" dirty="0"/>
+              <a:t>(</a:t>
+            </a:r>
+            <a:r>
+              <a:rPr lang="ko-KR" altLang="en-US" dirty="0"/>
+              <a:t>얼굴</a:t>
+            </a:r>
+            <a:r>
+              <a:rPr lang="en-US" altLang="ko-KR" dirty="0"/>
+              <a:t>)</a:t>
+            </a:r>
+            <a:r>
+              <a:rPr lang="ko-KR" altLang="en-US" dirty="0"/>
+              <a:t> 분리</a:t>
+            </a:r>
+            <a:endParaRPr lang="en-US" altLang="ko-KR" dirty="0"/>
+          </a:p>
+          <a:p>
+            <a:endParaRPr lang="en-US" altLang="ko-KR" dirty="0"/>
+          </a:p>
+          <a:p>
+            <a:r>
+              <a:rPr lang="en-US" altLang="ko-KR" dirty="0"/>
+              <a:t> -</a:t>
+            </a:r>
+            <a:r>
+              <a:rPr lang="ko-KR" altLang="en-US" dirty="0"/>
+              <a:t> 웹사이트와 </a:t>
+            </a:r>
+            <a:r>
+              <a:rPr lang="ko-KR" altLang="en-US" dirty="0" err="1"/>
+              <a:t>웹캠을</a:t>
+            </a:r>
+            <a:r>
+              <a:rPr lang="ko-KR" altLang="en-US" dirty="0"/>
+              <a:t> 연동시켜 실시간으로 동영상을 출력하며 </a:t>
+            </a:r>
+            <a:endParaRPr lang="en-US" altLang="ko-KR" dirty="0"/>
+          </a:p>
+          <a:p>
+            <a:r>
+              <a:rPr lang="en-US" altLang="ko-KR" dirty="0"/>
+              <a:t>   </a:t>
+            </a:r>
+            <a:r>
+              <a:rPr lang="ko-KR" altLang="en-US" dirty="0"/>
+              <a:t>얼굴 인식이 작동되도록 설계</a:t>
+            </a:r>
+            <a:endParaRPr lang="en-US" altLang="ko-KR" dirty="0"/>
+          </a:p>
+          <a:p>
+            <a:endParaRPr lang="ko-KR" altLang="en-US" dirty="0"/>
+          </a:p>
+        </p:txBody>
+      </p:sp>
       <p:pic>
         <p:nvPicPr>
           <p:cNvPr id="4" name="그림 3"/>
@@ -3820,155 +4069,190 @@
         </p:blipFill>
         <p:spPr>
           <a:xfrm>
-            <a:off x="2991099" y="231371"/>
-            <a:ext cx="5996142" cy="3334753"/>
+            <a:off x="1097280" y="1937174"/>
+            <a:ext cx="4876800" cy="4023360"/>
           </a:xfrm>
           <a:prstGeom prst="rect">
             <a:avLst/>
           </a:prstGeom>
         </p:spPr>
       </p:pic>
-      <p:sp>
-        <p:nvSpPr>
-          <p:cNvPr id="5" name="직사각형 4"/>
-          <p:cNvSpPr/>
+    </p:spTree>
+    <p:extLst>
+      <p:ext uri="{BB962C8B-B14F-4D97-AF65-F5344CB8AC3E}">
+        <p14:creationId xmlns:p14="http://schemas.microsoft.com/office/powerpoint/2010/main" val="3858793456"/>
+      </p:ext>
+    </p:extLst>
+  </p:cSld>
+  <p:clrMapOvr>
+    <a:masterClrMapping/>
+  </p:clrMapOvr>
+</p:sld>
+</file>
+
+<file path=ppt/slides/slide3.xml><?xml version="1.0" encoding="utf-8"?>
+<p:sld xmlns:a="http://schemas.openxmlformats.org/drawingml/2006/main" xmlns:r="http://schemas.openxmlformats.org/officeDocument/2006/relationships" xmlns:p="http://schemas.openxmlformats.org/presentationml/2006/main">
+  <p:cSld>
+    <p:spTree>
+      <p:nvGrpSpPr>
+        <p:cNvPr id="1" name=""/>
+        <p:cNvGrpSpPr/>
+        <p:nvPr/>
+      </p:nvGrpSpPr>
+      <p:grpSpPr>
+        <a:xfrm>
+          <a:off x="0" y="0"/>
+          <a:ext cx="0" cy="0"/>
+          <a:chOff x="0" y="0"/>
+          <a:chExt cx="0" cy="0"/>
+        </a:xfrm>
+      </p:grpSpPr>
+      <p:sp>
+        <p:nvSpPr>
+          <p:cNvPr id="2" name="제목 1"/>
+          <p:cNvSpPr>
+            <a:spLocks noGrp="1"/>
+          </p:cNvSpPr>
+          <p:nvPr>
+            <p:ph type="title"/>
+          </p:nvPr>
+        </p:nvSpPr>
+        <p:spPr/>
+        <p:txBody>
+          <a:bodyPr/>
+          <a:lstStyle/>
+          <a:p>
+            <a:r>
+              <a:rPr lang="ko-KR" altLang="en-US" dirty="0" smtClean="0"/>
+              <a:t>홈페이지 구상</a:t>
+            </a:r>
+            <a:r>
+              <a:rPr lang="ko-KR" altLang="en-US" dirty="0" smtClean="0"/>
+              <a:t>도</a:t>
+            </a:r>
+            <a:endParaRPr lang="ko-KR" altLang="en-US" dirty="0"/>
+          </a:p>
+        </p:txBody>
+      </p:sp>
+      <p:pic>
+        <p:nvPicPr>
+          <p:cNvPr id="4" name="그림 3"/>
+          <p:cNvPicPr>
+            <a:picLocks noChangeAspect="1"/>
+          </p:cNvPicPr>
           <p:nvPr/>
-        </p:nvSpPr>
-        <p:spPr>
-          <a:xfrm>
-            <a:off x="2259380" y="3693207"/>
-            <a:ext cx="7459579" cy="2923877"/>
+        </p:nvPicPr>
+        <p:blipFill>
+          <a:blip r:embed="rId2"/>
+          <a:stretch>
+            <a:fillRect/>
+          </a:stretch>
+        </p:blipFill>
+        <p:spPr>
+          <a:xfrm>
+            <a:off x="1097280" y="1845734"/>
+            <a:ext cx="10058400" cy="4379595"/>
           </a:xfrm>
           <a:prstGeom prst="rect">
             <a:avLst/>
           </a:prstGeom>
         </p:spPr>
-        <p:txBody>
-          <a:bodyPr wrap="square">
-            <a:spAutoFit/>
-          </a:bodyPr>
-          <a:lstStyle/>
-          <a:p>
-            <a:r>
-              <a:rPr lang="en-US" altLang="ko-KR" sz="2400" b="1" dirty="0" smtClean="0"/>
-              <a:t>Python </a:t>
-            </a:r>
-            <a:r>
-              <a:rPr lang="en-US" altLang="ko-KR" sz="2400" b="1" dirty="0" err="1" smtClean="0"/>
-              <a:t>OpenCV</a:t>
-            </a:r>
-            <a:r>
-              <a:rPr lang="ko-KR" altLang="en-US" sz="2400" b="1" dirty="0" smtClean="0"/>
-              <a:t>를 이용한 얼굴 인식 웹사이트</a:t>
-            </a:r>
-            <a:endParaRPr lang="en-US" altLang="ko-KR" sz="2400" b="1" dirty="0" smtClean="0"/>
-          </a:p>
-          <a:p>
-            <a:endParaRPr lang="en-US" altLang="ko-KR" sz="2000" dirty="0" smtClean="0"/>
-          </a:p>
-          <a:p>
-            <a:r>
-              <a:rPr lang="en-US" altLang="ko-KR" sz="2000" dirty="0" smtClean="0"/>
-              <a:t> - face-recognition </a:t>
-            </a:r>
-            <a:r>
-              <a:rPr lang="ko-KR" altLang="en-US" sz="2000" dirty="0" smtClean="0"/>
-              <a:t>패키지를 사용하여 얼굴 인식 시스템 구축</a:t>
-            </a:r>
-            <a:endParaRPr lang="en-US" altLang="ko-KR" sz="2000" dirty="0" smtClean="0"/>
-          </a:p>
-          <a:p>
-            <a:r>
-              <a:rPr lang="en-US" altLang="ko-KR" sz="2000" dirty="0"/>
-              <a:t> </a:t>
-            </a:r>
-            <a:endParaRPr lang="en-US" altLang="ko-KR" sz="2000" dirty="0" smtClean="0"/>
-          </a:p>
-          <a:p>
-            <a:r>
-              <a:rPr lang="en-US" altLang="ko-KR" sz="2000" dirty="0" smtClean="0"/>
-              <a:t> - </a:t>
-            </a:r>
-            <a:r>
-              <a:rPr lang="en-US" altLang="ko-KR" sz="2000" dirty="0" err="1" smtClean="0"/>
-              <a:t>grabCut</a:t>
-            </a:r>
-            <a:r>
-              <a:rPr lang="ko-KR" altLang="en-US" sz="2000" dirty="0" smtClean="0"/>
-              <a:t>을 활용하여 전경과 객체</a:t>
-            </a:r>
-            <a:r>
-              <a:rPr lang="en-US" altLang="ko-KR" sz="2000" dirty="0" smtClean="0"/>
-              <a:t>(</a:t>
-            </a:r>
-            <a:r>
-              <a:rPr lang="ko-KR" altLang="en-US" sz="2000" dirty="0" smtClean="0"/>
-              <a:t>얼굴</a:t>
-            </a:r>
-            <a:r>
-              <a:rPr lang="en-US" altLang="ko-KR" sz="2000" dirty="0" smtClean="0"/>
-              <a:t>)</a:t>
-            </a:r>
-            <a:r>
-              <a:rPr lang="ko-KR" altLang="en-US" sz="2000" dirty="0"/>
-              <a:t> </a:t>
-            </a:r>
-            <a:r>
-              <a:rPr lang="ko-KR" altLang="en-US" sz="2000" dirty="0" smtClean="0"/>
-              <a:t>분리</a:t>
-            </a:r>
-            <a:endParaRPr lang="en-US" altLang="ko-KR" sz="2000" dirty="0" smtClean="0"/>
-          </a:p>
-          <a:p>
-            <a:endParaRPr lang="en-US" altLang="ko-KR" sz="2000" dirty="0" smtClean="0"/>
-          </a:p>
-          <a:p>
-            <a:r>
-              <a:rPr lang="en-US" altLang="ko-KR" sz="2000" dirty="0" smtClean="0"/>
-              <a:t> -</a:t>
-            </a:r>
-            <a:r>
-              <a:rPr lang="ko-KR" altLang="en-US" sz="2000" dirty="0"/>
-              <a:t> </a:t>
-            </a:r>
-            <a:r>
-              <a:rPr lang="ko-KR" altLang="en-US" sz="2000" dirty="0" smtClean="0"/>
-              <a:t>웹사이트와 </a:t>
-            </a:r>
-            <a:r>
-              <a:rPr lang="ko-KR" altLang="en-US" sz="2000" dirty="0" err="1" smtClean="0"/>
-              <a:t>웹캠을</a:t>
-            </a:r>
-            <a:r>
-              <a:rPr lang="ko-KR" altLang="en-US" sz="2000" dirty="0" smtClean="0"/>
-              <a:t> 연동시켜 실시간으로 동영상을 출력하며 </a:t>
-            </a:r>
-            <a:endParaRPr lang="en-US" altLang="ko-KR" sz="2000" dirty="0" smtClean="0"/>
-          </a:p>
-          <a:p>
-            <a:r>
-              <a:rPr lang="en-US" altLang="ko-KR" sz="2000" dirty="0"/>
-              <a:t> </a:t>
-            </a:r>
-            <a:r>
-              <a:rPr lang="en-US" altLang="ko-KR" sz="2000" dirty="0" smtClean="0"/>
-              <a:t>  </a:t>
-            </a:r>
-            <a:r>
-              <a:rPr lang="ko-KR" altLang="en-US" sz="2000" dirty="0" smtClean="0"/>
-              <a:t>얼굴 인식이 작동되도록 설계</a:t>
-            </a:r>
-            <a:endParaRPr lang="en-US" altLang="ko-KR" sz="2000" dirty="0" smtClean="0"/>
-          </a:p>
-          <a:p>
-            <a:endParaRPr lang="ko-KR" altLang="en-US" sz="2000" dirty="0"/>
-          </a:p>
-        </p:txBody>
-      </p:sp>
+      </p:pic>
     </p:spTree>
     <p:extLst>
       <p:ext uri="{BB962C8B-B14F-4D97-AF65-F5344CB8AC3E}">
-        <p14:creationId xmlns:p14="http://schemas.microsoft.com/office/powerpoint/2010/main" val="4021136789"/>
+        <p14:creationId xmlns:p14="http://schemas.microsoft.com/office/powerpoint/2010/main" val="2242074242"/>
+      </p:ext>
+    </p:extLst>
+  </p:cSld>
+  <p:clrMapOvr>
+    <a:masterClrMapping/>
+  </p:clrMapOvr>
+</p:sld>
+</file>
+
+<file path=ppt/slides/slide4.xml><?xml version="1.0" encoding="utf-8"?>
+<p:sld xmlns:a="http://schemas.openxmlformats.org/drawingml/2006/main" xmlns:r="http://schemas.openxmlformats.org/officeDocument/2006/relationships" xmlns:p="http://schemas.openxmlformats.org/presentationml/2006/main">
+  <p:cSld>
+    <p:spTree>
+      <p:nvGrpSpPr>
+        <p:cNvPr id="1" name=""/>
+        <p:cNvGrpSpPr/>
+        <p:nvPr/>
+      </p:nvGrpSpPr>
+      <p:grpSpPr>
+        <a:xfrm>
+          <a:off x="0" y="0"/>
+          <a:ext cx="0" cy="0"/>
+          <a:chOff x="0" y="0"/>
+          <a:chExt cx="0" cy="0"/>
+        </a:xfrm>
+      </p:grpSpPr>
+      <p:sp>
+        <p:nvSpPr>
+          <p:cNvPr id="2" name="제목 1"/>
+          <p:cNvSpPr>
+            <a:spLocks noGrp="1"/>
+          </p:cNvSpPr>
+          <p:nvPr>
+            <p:ph type="title"/>
+          </p:nvPr>
+        </p:nvSpPr>
+        <p:spPr/>
+        <p:txBody>
+          <a:bodyPr/>
+          <a:lstStyle/>
+          <a:p>
+            <a:r>
+              <a:rPr lang="en-US" altLang="ko-KR" dirty="0" err="1" smtClean="0"/>
+              <a:t>Github</a:t>
+            </a:r>
+            <a:r>
+              <a:rPr lang="ko-KR" altLang="en-US" dirty="0" smtClean="0"/>
+              <a:t> </a:t>
+            </a:r>
+            <a:r>
+              <a:rPr lang="en-US" altLang="ko-KR" dirty="0" smtClean="0"/>
+              <a:t>commit </a:t>
+            </a:r>
+            <a:r>
+              <a:rPr lang="ko-KR" altLang="en-US" dirty="0" smtClean="0"/>
+              <a:t>현황</a:t>
+            </a:r>
+            <a:endParaRPr lang="ko-KR" altLang="en-US" dirty="0"/>
+          </a:p>
+        </p:txBody>
+      </p:sp>
+      <p:pic>
+        <p:nvPicPr>
+          <p:cNvPr id="4" name="내용 개체 틀 3"/>
+          <p:cNvPicPr>
+            <a:picLocks noGrp="1" noChangeAspect="1"/>
+          </p:cNvPicPr>
+          <p:nvPr>
+            <p:ph idx="1"/>
+          </p:nvPr>
+        </p:nvPicPr>
+        <p:blipFill>
+          <a:blip r:embed="rId2"/>
+          <a:stretch>
+            <a:fillRect/>
+          </a:stretch>
+        </p:blipFill>
+        <p:spPr>
+          <a:xfrm>
+            <a:off x="1097280" y="1988503"/>
+            <a:ext cx="10058400" cy="4022725"/>
+          </a:xfrm>
+          <a:prstGeom prst="rect">
+            <a:avLst/>
+          </a:prstGeom>
+        </p:spPr>
+      </p:pic>
+    </p:spTree>
+    <p:extLst>
+      <p:ext uri="{BB962C8B-B14F-4D97-AF65-F5344CB8AC3E}">
+        <p14:creationId xmlns:p14="http://schemas.microsoft.com/office/powerpoint/2010/main" val="1218087584"/>
       </p:ext>
     </p:extLst>
   </p:cSld>
